--- a/midterm presentation - UPDATED/Defence - Zoveralli.pptx
+++ b/midterm presentation - UPDATED/Defence - Zoveralli.pptx
@@ -184,7 +184,7 @@
       </p14:sectionLst>
     </p:ext>
     <p:ext uri="{EFAFB233-063F-42B5-8137-9DF3F51BA10A}">
-      <p15:sldGuideLst xmlns="" xmlns:p15="http://schemas.microsoft.com/office/powerpoint/2012/main">
+      <p15:sldGuideLst xmlns:p15="http://schemas.microsoft.com/office/powerpoint/2012/main" xmlns="">
         <p15:guide id="1" orient="horz" pos="2160">
           <p15:clr>
             <a:srgbClr val="A4A3A4"/>
@@ -198,7 +198,7 @@
       </p15:sldGuideLst>
     </p:ext>
     <p:ext uri="{2D200454-40CA-4A62-9FC3-DE9A4176ACB9}">
-      <p15:notesGuideLst xmlns="" xmlns:p15="http://schemas.microsoft.com/office/powerpoint/2012/main">
+      <p15:notesGuideLst xmlns:p15="http://schemas.microsoft.com/office/powerpoint/2012/main" xmlns="">
         <p15:guide id="1" orient="horz" pos="3367">
           <p15:clr>
             <a:srgbClr val="A4A3A4"/>
@@ -297,7 +297,7 @@
           <a:p>
             <a:fld id="{6C88F18E-2A60-442D-BB31-DF3D0A4C846D}" type="datetimeFigureOut">
               <a:rPr lang="it-IT" smtClean="0"/>
-              <a:t>09/01/2019</a:t>
+              <a:t>13/01/2019</a:t>
             </a:fld>
             <a:endParaRPr lang="it-IT"/>
           </a:p>
@@ -2246,10 +2246,6 @@
               </a:rPr>
               <a:t> were available</a:t>
             </a:r>
-            <a:endParaRPr lang="en-US" sz="2400" dirty="0" smtClean="0">
-              <a:latin typeface="Calibri" pitchFamily="34" charset="0"/>
-              <a:cs typeface="Calibri" pitchFamily="34" charset="0"/>
-            </a:endParaRPr>
           </a:p>
         </p:txBody>
       </p:sp>
@@ -6558,36 +6554,6 @@
           </a:p>
         </p:txBody>
       </p:sp>
-      <p:pic>
-        <p:nvPicPr>
-          <p:cNvPr id="3" name="Picture 2"/>
-          <p:cNvPicPr>
-            <a:picLocks noChangeAspect="1"/>
-          </p:cNvPicPr>
-          <p:nvPr/>
-        </p:nvPicPr>
-        <p:blipFill>
-          <a:blip r:embed="rId3">
-            <a:extLst>
-              <a:ext uri="{28A0092B-C50C-407E-A947-70E740481C1C}">
-                <a14:useLocalDpi xmlns:a14="http://schemas.microsoft.com/office/drawing/2010/main" val="0"/>
-              </a:ext>
-            </a:extLst>
-          </a:blip>
-          <a:stretch>
-            <a:fillRect/>
-          </a:stretch>
-        </p:blipFill>
-        <p:spPr>
-          <a:xfrm>
-            <a:off x="-7709" y="620689"/>
-            <a:ext cx="9151709" cy="5596878"/>
-          </a:xfrm>
-          <a:prstGeom prst="rect">
-            <a:avLst/>
-          </a:prstGeom>
-        </p:spPr>
-      </p:pic>
       <p:sp>
         <p:nvSpPr>
           <p:cNvPr id="10" name="CasellaDiTesto 6"/>
@@ -6813,6 +6779,36 @@
           </a:p>
         </p:txBody>
       </p:sp>
+      <p:pic>
+        <p:nvPicPr>
+          <p:cNvPr id="4" name="Picture 3"/>
+          <p:cNvPicPr>
+            <a:picLocks noChangeAspect="1"/>
+          </p:cNvPicPr>
+          <p:nvPr/>
+        </p:nvPicPr>
+        <p:blipFill>
+          <a:blip r:embed="rId3">
+            <a:extLst>
+              <a:ext uri="{28A0092B-C50C-407E-A947-70E740481C1C}">
+                <a14:useLocalDpi xmlns:a14="http://schemas.microsoft.com/office/drawing/2010/main" val="0"/>
+              </a:ext>
+            </a:extLst>
+          </a:blip>
+          <a:stretch>
+            <a:fillRect/>
+          </a:stretch>
+        </p:blipFill>
+        <p:spPr>
+          <a:xfrm>
+            <a:off x="-1" y="764704"/>
+            <a:ext cx="9134102" cy="5256584"/>
+          </a:xfrm>
+          <a:prstGeom prst="rect">
+            <a:avLst/>
+          </a:prstGeom>
+        </p:spPr>
+      </p:pic>
     </p:spTree>
     <p:extLst>
       <p:ext uri="{BB962C8B-B14F-4D97-AF65-F5344CB8AC3E}">
@@ -7390,14 +7386,7 @@
                 <a:latin typeface="Calibri" pitchFamily="34" charset="0"/>
                 <a:cs typeface="Calibri" pitchFamily="34" charset="0"/>
               </a:rPr>
-              <a:t>Any </a:t>
-            </a:r>
-            <a:r>
-              <a:rPr lang="it-IT" sz="2100" dirty="0" smtClean="0">
-                <a:latin typeface="Calibri" pitchFamily="34" charset="0"/>
-                <a:cs typeface="Calibri" pitchFamily="34" charset="0"/>
-              </a:rPr>
-              <a:t>host can be the leader</a:t>
+              <a:t>Any host can be the leader</a:t>
             </a:r>
           </a:p>
           <a:p>
@@ -7410,19 +7399,8 @@
                 <a:latin typeface="Calibri" pitchFamily="34" charset="0"/>
                 <a:cs typeface="Calibri" pitchFamily="34" charset="0"/>
               </a:rPr>
-              <a:t>As long </a:t>
-            </a:r>
-            <a:r>
-              <a:rPr lang="en-US" sz="2100" dirty="0" smtClean="0">
-                <a:latin typeface="Calibri" pitchFamily="34" charset="0"/>
-                <a:cs typeface="Calibri" pitchFamily="34" charset="0"/>
-              </a:rPr>
-              <a:t>it knows who the leader is</a:t>
-            </a:r>
-            <a:endParaRPr lang="en-US" sz="2100" dirty="0" smtClean="0">
-              <a:latin typeface="Calibri" pitchFamily="34" charset="0"/>
-              <a:cs typeface="Calibri" pitchFamily="34" charset="0"/>
-            </a:endParaRPr>
+              <a:t>As long it knows who the leader is</a:t>
+            </a:r>
           </a:p>
           <a:p>
             <a:pPr marL="800100" lvl="1" indent="-342900">
@@ -7499,10 +7477,6 @@
               </a:rPr>
               <a:t>Very simple mechanism</a:t>
             </a:r>
-            <a:endParaRPr lang="en-US" sz="2100" dirty="0" smtClean="0">
-              <a:latin typeface="Calibri" pitchFamily="34" charset="0"/>
-              <a:cs typeface="Calibri" pitchFamily="34" charset="0"/>
-            </a:endParaRPr>
           </a:p>
           <a:p>
             <a:pPr marL="342900" indent="-342900">
@@ -7537,19 +7511,8 @@
                 <a:latin typeface="Calibri" pitchFamily="34" charset="0"/>
                 <a:cs typeface="Calibri" pitchFamily="34" charset="0"/>
               </a:rPr>
-              <a:t>N = #</a:t>
-            </a:r>
-            <a:r>
-              <a:rPr lang="en-US" sz="2100" dirty="0" smtClean="0">
-                <a:latin typeface="Calibri" pitchFamily="34" charset="0"/>
-                <a:cs typeface="Calibri" pitchFamily="34" charset="0"/>
-              </a:rPr>
-              <a:t>hosts</a:t>
-            </a:r>
-            <a:endParaRPr lang="en-US" sz="2100" dirty="0" smtClean="0">
-              <a:latin typeface="Calibri" pitchFamily="34" charset="0"/>
-              <a:cs typeface="Calibri" pitchFamily="34" charset="0"/>
-            </a:endParaRPr>
+              <a:t>N = #hosts</a:t>
+            </a:r>
           </a:p>
           <a:p>
             <a:pPr marL="342900" indent="-342900">
@@ -8750,11 +8713,11 @@
   <p:clrMapOvr>
     <a:masterClrMapping/>
   </p:clrMapOvr>
-  <mc:AlternateContent xmlns:mc="http://schemas.openxmlformats.org/markup-compatibility/2006">
-    <mc:Choice xmlns:p14="http://schemas.microsoft.com/office/powerpoint/2010/main" Requires="p14">
+  <mc:AlternateContent xmlns:mc="http://schemas.openxmlformats.org/markup-compatibility/2006" xmlns:p14="http://schemas.microsoft.com/office/powerpoint/2010/main">
+    <mc:Choice Requires="p14">
       <p:transition spd="slow" p14:dur="2000"/>
     </mc:Choice>
-    <mc:Fallback>
+    <mc:Fallback xmlns="">
       <p:transition spd="slow"/>
     </mc:Fallback>
   </mc:AlternateContent>
@@ -10391,11 +10354,11 @@
   <p:clrMapOvr>
     <a:masterClrMapping/>
   </p:clrMapOvr>
-  <mc:AlternateContent xmlns:mc="http://schemas.openxmlformats.org/markup-compatibility/2006">
-    <mc:Choice xmlns:p14="http://schemas.microsoft.com/office/powerpoint/2010/main" Requires="p14">
+  <mc:AlternateContent xmlns:mc="http://schemas.openxmlformats.org/markup-compatibility/2006" xmlns:p14="http://schemas.microsoft.com/office/powerpoint/2010/main">
+    <mc:Choice Requires="p14">
       <p:transition spd="slow" p14:dur="2000"/>
     </mc:Choice>
-    <mc:Fallback>
+    <mc:Fallback xmlns="">
       <p:transition spd="slow"/>
     </mc:Fallback>
   </mc:AlternateContent>
@@ -11107,49 +11070,28 @@
                 <a:latin typeface="Calibri" pitchFamily="34" charset="0"/>
                 <a:cs typeface="Calibri" pitchFamily="34" charset="0"/>
               </a:rPr>
-              <a:t>For each </a:t>
+              <a:t>For each possible combination of N hosts in K positions (for a total of </a:t>
+            </a:r>
+            <a:r>
+              <a:rPr lang="en-US" sz="2000" dirty="0" err="1" smtClean="0">
+                <a:latin typeface="Calibri" pitchFamily="34" charset="0"/>
+                <a:cs typeface="Calibri" pitchFamily="34" charset="0"/>
+              </a:rPr>
+              <a:t>C</a:t>
+            </a:r>
+            <a:r>
+              <a:rPr lang="en-US" sz="1200" i="1" dirty="0" err="1" smtClean="0">
+                <a:latin typeface="Calibri" pitchFamily="34" charset="0"/>
+                <a:cs typeface="Calibri" pitchFamily="34" charset="0"/>
+              </a:rPr>
+              <a:t>k,n</a:t>
             </a:r>
             <a:r>
               <a:rPr lang="en-US" sz="2000" dirty="0" smtClean="0">
                 <a:latin typeface="Calibri" pitchFamily="34" charset="0"/>
                 <a:cs typeface="Calibri" pitchFamily="34" charset="0"/>
               </a:rPr>
-              <a:t>possible combination </a:t>
-            </a:r>
-            <a:r>
-              <a:rPr lang="en-US" sz="2000" dirty="0" smtClean="0">
-                <a:latin typeface="Calibri" pitchFamily="34" charset="0"/>
-                <a:cs typeface="Calibri" pitchFamily="34" charset="0"/>
-              </a:rPr>
-              <a:t>of N hosts in K positions (for a total of </a:t>
-            </a:r>
-            <a:r>
-              <a:rPr lang="en-US" sz="2000" dirty="0" err="1" smtClean="0">
-                <a:latin typeface="Calibri" pitchFamily="34" charset="0"/>
-                <a:cs typeface="Calibri" pitchFamily="34" charset="0"/>
-              </a:rPr>
-              <a:t>C</a:t>
-            </a:r>
-            <a:r>
-              <a:rPr lang="en-US" sz="1200" i="1" dirty="0" err="1" smtClean="0">
-                <a:latin typeface="Calibri" pitchFamily="34" charset="0"/>
-                <a:cs typeface="Calibri" pitchFamily="34" charset="0"/>
-              </a:rPr>
-              <a:t>k,n</a:t>
-            </a:r>
-            <a:r>
-              <a:rPr lang="en-US" sz="2000" dirty="0" smtClean="0">
-                <a:latin typeface="Calibri" pitchFamily="34" charset="0"/>
-                <a:cs typeface="Calibri" pitchFamily="34" charset="0"/>
-              </a:rPr>
-              <a:t>), </a:t>
-            </a:r>
-            <a:r>
-              <a:rPr lang="en-US" sz="2000" dirty="0" smtClean="0">
-                <a:latin typeface="Calibri" pitchFamily="34" charset="0"/>
-                <a:cs typeface="Calibri" pitchFamily="34" charset="0"/>
-              </a:rPr>
-              <a:t>compute the prediction with the data fusion mechanism</a:t>
+              <a:t>), compute the prediction with the data fusion mechanism</a:t>
             </a:r>
             <a:endParaRPr lang="en-US" sz="2000" i="1" dirty="0" smtClean="0">
               <a:latin typeface="Calibri" pitchFamily="34" charset="0"/>
@@ -11405,14 +11347,7 @@
                 <a:latin typeface="Calibri" pitchFamily="34" charset="0"/>
                 <a:cs typeface="Calibri" pitchFamily="34" charset="0"/>
               </a:rPr>
-              <a:t>How?</a:t>
-            </a:r>
-            <a:r>
-              <a:rPr lang="it-IT" sz="1400" dirty="0" smtClean="0">
-                <a:latin typeface="Calibri" pitchFamily="34" charset="0"/>
-                <a:cs typeface="Calibri" pitchFamily="34" charset="0"/>
-              </a:rPr>
-              <a:t> </a:t>
+              <a:t>How? </a:t>
             </a:r>
             <a:r>
               <a:rPr lang="it-IT" sz="1400" dirty="0">
@@ -12904,11 +12839,11 @@
   <p:clrMapOvr>
     <a:masterClrMapping/>
   </p:clrMapOvr>
-  <mc:AlternateContent xmlns:mc="http://schemas.openxmlformats.org/markup-compatibility/2006">
-    <mc:Choice xmlns:p14="http://schemas.microsoft.com/office/powerpoint/2010/main" Requires="p14">
+  <mc:AlternateContent xmlns:mc="http://schemas.openxmlformats.org/markup-compatibility/2006" xmlns:p14="http://schemas.microsoft.com/office/powerpoint/2010/main">
+    <mc:Choice Requires="p14">
       <p:transition spd="slow" p14:dur="2000"/>
     </mc:Choice>
-    <mc:Fallback>
+    <mc:Fallback xmlns="">
       <p:transition spd="slow"/>
     </mc:Fallback>
   </mc:AlternateContent>
@@ -12972,14 +12907,7 @@
                 <a:latin typeface="Calibri" pitchFamily="34" charset="0"/>
                 <a:cs typeface="Calibri" pitchFamily="34" charset="0"/>
               </a:rPr>
-              <a:t>  Protocol Validation: Data </a:t>
-            </a:r>
-            <a:r>
-              <a:rPr lang="it-IT" sz="2800" b="1" dirty="0" smtClean="0">
-                <a:latin typeface="Calibri" pitchFamily="34" charset="0"/>
-                <a:cs typeface="Calibri" pitchFamily="34" charset="0"/>
-              </a:rPr>
-              <a:t>Fusion, P(loss) = 0</a:t>
+              <a:t>  Protocol Validation: Data Fusion, P(loss) = 0</a:t>
             </a:r>
             <a:endParaRPr lang="it-IT" sz="2800" b="1" dirty="0">
               <a:latin typeface="Calibri" pitchFamily="34" charset="0"/>
@@ -13627,14 +13555,7 @@
                 <a:latin typeface="Calibri" pitchFamily="34" charset="0"/>
                 <a:cs typeface="Calibri" pitchFamily="34" charset="0"/>
               </a:rPr>
-              <a:t>How?</a:t>
-            </a:r>
-            <a:r>
-              <a:rPr lang="it-IT" sz="1400" dirty="0" smtClean="0">
-                <a:latin typeface="Calibri" pitchFamily="34" charset="0"/>
-                <a:cs typeface="Calibri" pitchFamily="34" charset="0"/>
-              </a:rPr>
-              <a:t> </a:t>
+              <a:t>How? </a:t>
             </a:r>
             <a:r>
               <a:rPr lang="it-IT" sz="1400" dirty="0">
@@ -13750,14 +13671,7 @@
                 <a:latin typeface="Calibri" pitchFamily="34" charset="0"/>
                 <a:cs typeface="Calibri" pitchFamily="34" charset="0"/>
               </a:rPr>
-              <a:t>  Protocol Validation: Data </a:t>
-            </a:r>
-            <a:r>
-              <a:rPr lang="it-IT" sz="2800" b="1" dirty="0" smtClean="0">
-                <a:latin typeface="Calibri" pitchFamily="34" charset="0"/>
-                <a:cs typeface="Calibri" pitchFamily="34" charset="0"/>
-              </a:rPr>
-              <a:t>Fusion, P(loss) = 10%</a:t>
+              <a:t>  Protocol Validation: Data Fusion, P(loss) = 10%</a:t>
             </a:r>
             <a:endParaRPr lang="it-IT" sz="2800" b="1" dirty="0">
               <a:latin typeface="Calibri" pitchFamily="34" charset="0"/>
@@ -14405,14 +14319,7 @@
                 <a:latin typeface="Calibri" pitchFamily="34" charset="0"/>
                 <a:cs typeface="Calibri" pitchFamily="34" charset="0"/>
               </a:rPr>
-              <a:t>How?</a:t>
-            </a:r>
-            <a:r>
-              <a:rPr lang="it-IT" sz="1400" dirty="0" smtClean="0">
-                <a:latin typeface="Calibri" pitchFamily="34" charset="0"/>
-                <a:cs typeface="Calibri" pitchFamily="34" charset="0"/>
-              </a:rPr>
-              <a:t> </a:t>
+              <a:t>How? </a:t>
             </a:r>
             <a:r>
               <a:rPr lang="it-IT" sz="1400" dirty="0">
@@ -15224,14 +15131,7 @@
                 <a:latin typeface="Calibri" pitchFamily="34" charset="0"/>
                 <a:cs typeface="Calibri" pitchFamily="34" charset="0"/>
               </a:rPr>
-              <a:t>Final vote sent to a base </a:t>
-            </a:r>
-            <a:r>
-              <a:rPr lang="en-US" sz="2400" dirty="0" smtClean="0">
-                <a:latin typeface="Calibri" pitchFamily="34" charset="0"/>
-                <a:cs typeface="Calibri" pitchFamily="34" charset="0"/>
-              </a:rPr>
-              <a:t>station</a:t>
+              <a:t>Final vote sent to a base station</a:t>
             </a:r>
           </a:p>
           <a:p>
@@ -15460,11 +15360,11 @@
   <p:clrMapOvr>
     <a:masterClrMapping/>
   </p:clrMapOvr>
-  <mc:AlternateContent xmlns:mc="http://schemas.openxmlformats.org/markup-compatibility/2006">
-    <mc:Choice xmlns:p14="http://schemas.microsoft.com/office/powerpoint/2010/main" Requires="p14">
+  <mc:AlternateContent xmlns:mc="http://schemas.openxmlformats.org/markup-compatibility/2006" xmlns:p14="http://schemas.microsoft.com/office/powerpoint/2010/main">
+    <mc:Choice Requires="p14">
       <p:transition spd="slow" p14:dur="2000"/>
     </mc:Choice>
-    <mc:Fallback>
+    <mc:Fallback xmlns="">
       <p:transition spd="slow"/>
     </mc:Fallback>
   </mc:AlternateContent>
@@ -15528,14 +15428,7 @@
                 <a:latin typeface="Calibri" pitchFamily="34" charset="0"/>
                 <a:cs typeface="Calibri" pitchFamily="34" charset="0"/>
               </a:rPr>
-              <a:t>  Protocol Validation: Data </a:t>
-            </a:r>
-            <a:r>
-              <a:rPr lang="it-IT" sz="2800" b="1" dirty="0" smtClean="0">
-                <a:latin typeface="Calibri" pitchFamily="34" charset="0"/>
-                <a:cs typeface="Calibri" pitchFamily="34" charset="0"/>
-              </a:rPr>
-              <a:t>Fusion, P(loss) = 20%</a:t>
+              <a:t>  Protocol Validation: Data Fusion, P(loss) = 20%</a:t>
             </a:r>
             <a:endParaRPr lang="it-IT" sz="2800" b="1" dirty="0">
               <a:latin typeface="Calibri" pitchFamily="34" charset="0"/>
@@ -16183,14 +16076,7 @@
                 <a:latin typeface="Calibri" pitchFamily="34" charset="0"/>
                 <a:cs typeface="Calibri" pitchFamily="34" charset="0"/>
               </a:rPr>
-              <a:t>How?</a:t>
-            </a:r>
-            <a:r>
-              <a:rPr lang="it-IT" sz="1400" dirty="0" smtClean="0">
-                <a:latin typeface="Calibri" pitchFamily="34" charset="0"/>
-                <a:cs typeface="Calibri" pitchFamily="34" charset="0"/>
-              </a:rPr>
-              <a:t> </a:t>
+              <a:t>How? </a:t>
             </a:r>
             <a:r>
               <a:rPr lang="it-IT" sz="1400" dirty="0">
@@ -16306,14 +16192,7 @@
                 <a:latin typeface="Calibri" pitchFamily="34" charset="0"/>
                 <a:cs typeface="Calibri" pitchFamily="34" charset="0"/>
               </a:rPr>
-              <a:t>  Protocol Validation: Data </a:t>
-            </a:r>
-            <a:r>
-              <a:rPr lang="it-IT" sz="2800" b="1" dirty="0" smtClean="0">
-                <a:latin typeface="Calibri" pitchFamily="34" charset="0"/>
-                <a:cs typeface="Calibri" pitchFamily="34" charset="0"/>
-              </a:rPr>
-              <a:t>Fusion, P(loss) = 30%</a:t>
+              <a:t>  Protocol Validation: Data Fusion, P(loss) = 30%</a:t>
             </a:r>
             <a:endParaRPr lang="it-IT" sz="2800" b="1" dirty="0">
               <a:latin typeface="Calibri" pitchFamily="34" charset="0"/>
@@ -16961,14 +16840,7 @@
                 <a:latin typeface="Calibri" pitchFamily="34" charset="0"/>
                 <a:cs typeface="Calibri" pitchFamily="34" charset="0"/>
               </a:rPr>
-              <a:t>How?</a:t>
-            </a:r>
-            <a:r>
-              <a:rPr lang="it-IT" sz="1400" dirty="0" smtClean="0">
-                <a:latin typeface="Calibri" pitchFamily="34" charset="0"/>
-                <a:cs typeface="Calibri" pitchFamily="34" charset="0"/>
-              </a:rPr>
-              <a:t> </a:t>
+              <a:t>How? </a:t>
             </a:r>
             <a:r>
               <a:rPr lang="it-IT" sz="1400" dirty="0">
@@ -17084,14 +16956,7 @@
                 <a:latin typeface="Calibri" pitchFamily="34" charset="0"/>
                 <a:cs typeface="Calibri" pitchFamily="34" charset="0"/>
               </a:rPr>
-              <a:t>  Protocol Validation: Data </a:t>
-            </a:r>
-            <a:r>
-              <a:rPr lang="it-IT" sz="2800" b="1" dirty="0" smtClean="0">
-                <a:latin typeface="Calibri" pitchFamily="34" charset="0"/>
-                <a:cs typeface="Calibri" pitchFamily="34" charset="0"/>
-              </a:rPr>
-              <a:t>Fusion, P(loss) = 40%</a:t>
+              <a:t>  Protocol Validation: Data Fusion, P(loss) = 40%</a:t>
             </a:r>
             <a:endParaRPr lang="it-IT" sz="2800" b="1" dirty="0">
               <a:latin typeface="Calibri" pitchFamily="34" charset="0"/>
@@ -17739,14 +17604,7 @@
                 <a:latin typeface="Calibri" pitchFamily="34" charset="0"/>
                 <a:cs typeface="Calibri" pitchFamily="34" charset="0"/>
               </a:rPr>
-              <a:t>How?</a:t>
-            </a:r>
-            <a:r>
-              <a:rPr lang="it-IT" sz="1400" dirty="0" smtClean="0">
-                <a:latin typeface="Calibri" pitchFamily="34" charset="0"/>
-                <a:cs typeface="Calibri" pitchFamily="34" charset="0"/>
-              </a:rPr>
-              <a:t> </a:t>
+              <a:t>How? </a:t>
             </a:r>
             <a:r>
               <a:rPr lang="it-IT" sz="1400" dirty="0">
@@ -17862,14 +17720,7 @@
                 <a:latin typeface="Calibri" pitchFamily="34" charset="0"/>
                 <a:cs typeface="Calibri" pitchFamily="34" charset="0"/>
               </a:rPr>
-              <a:t>  Protocol Validation: Data </a:t>
-            </a:r>
-            <a:r>
-              <a:rPr lang="it-IT" sz="2800" b="1" dirty="0" smtClean="0">
-                <a:latin typeface="Calibri" pitchFamily="34" charset="0"/>
-                <a:cs typeface="Calibri" pitchFamily="34" charset="0"/>
-              </a:rPr>
-              <a:t>Fusion, P(loss) = 50%</a:t>
+              <a:t>  Protocol Validation: Data Fusion, P(loss) = 50%</a:t>
             </a:r>
             <a:endParaRPr lang="it-IT" sz="2800" b="1" dirty="0">
               <a:latin typeface="Calibri" pitchFamily="34" charset="0"/>
@@ -18517,14 +18368,7 @@
                 <a:latin typeface="Calibri" pitchFamily="34" charset="0"/>
                 <a:cs typeface="Calibri" pitchFamily="34" charset="0"/>
               </a:rPr>
-              <a:t>How?</a:t>
-            </a:r>
-            <a:r>
-              <a:rPr lang="it-IT" sz="1400" dirty="0" smtClean="0">
-                <a:latin typeface="Calibri" pitchFamily="34" charset="0"/>
-                <a:cs typeface="Calibri" pitchFamily="34" charset="0"/>
-              </a:rPr>
-              <a:t> </a:t>
+              <a:t>How? </a:t>
             </a:r>
             <a:r>
               <a:rPr lang="it-IT" sz="1400" dirty="0">
@@ -19416,14 +19260,7 @@
                 <a:latin typeface="Calibri" pitchFamily="34" charset="0"/>
                 <a:cs typeface="Calibri" pitchFamily="34" charset="0"/>
               </a:rPr>
-              <a:t>How?</a:t>
-            </a:r>
-            <a:r>
-              <a:rPr lang="it-IT" sz="1400" dirty="0" smtClean="0">
-                <a:latin typeface="Calibri" pitchFamily="34" charset="0"/>
-                <a:cs typeface="Calibri" pitchFamily="34" charset="0"/>
-              </a:rPr>
-              <a:t> </a:t>
+              <a:t>How? </a:t>
             </a:r>
             <a:r>
               <a:rPr lang="it-IT" sz="1400" dirty="0">
@@ -20002,14 +19839,7 @@
                 <a:latin typeface="Calibri" pitchFamily="34" charset="0"/>
                 <a:cs typeface="Calibri" pitchFamily="34" charset="0"/>
               </a:rPr>
-              <a:t>Distributed </a:t>
-            </a:r>
-            <a:r>
-              <a:rPr lang="en-US" sz="2400" dirty="0" smtClean="0">
-                <a:latin typeface="Calibri" pitchFamily="34" charset="0"/>
-                <a:cs typeface="Calibri" pitchFamily="34" charset="0"/>
-              </a:rPr>
-              <a:t>object detection system implemented</a:t>
+              <a:t>Distributed object detection system implemented</a:t>
             </a:r>
           </a:p>
           <a:p>
@@ -20351,14 +20181,7 @@
                 <a:latin typeface="Calibri" pitchFamily="34" charset="0"/>
                 <a:cs typeface="Calibri" pitchFamily="34" charset="0"/>
               </a:rPr>
-              <a:t>How?</a:t>
-            </a:r>
-            <a:r>
-              <a:rPr lang="it-IT" sz="1400" dirty="0" smtClean="0">
-                <a:latin typeface="Calibri" pitchFamily="34" charset="0"/>
-                <a:cs typeface="Calibri" pitchFamily="34" charset="0"/>
-              </a:rPr>
-              <a:t> </a:t>
+              <a:t>How? </a:t>
             </a:r>
             <a:r>
               <a:rPr lang="it-IT" sz="1400" dirty="0">
@@ -23551,10 +23374,6 @@
               </a:rPr>
               <a:t>False positives and false negatives can occur</a:t>
             </a:r>
-            <a:endParaRPr lang="en-US" sz="2400" dirty="0" smtClean="0">
-              <a:latin typeface="Calibri" pitchFamily="34" charset="0"/>
-              <a:cs typeface="Calibri" pitchFamily="34" charset="0"/>
-            </a:endParaRPr>
           </a:p>
           <a:p>
             <a:pPr marL="800100" lvl="1" indent="-342900">
@@ -25464,11 +25283,11 @@
   <p:clrMapOvr>
     <a:masterClrMapping/>
   </p:clrMapOvr>
-  <mc:AlternateContent xmlns:mc="http://schemas.openxmlformats.org/markup-compatibility/2006">
-    <mc:Choice xmlns:p14="http://schemas.microsoft.com/office/powerpoint/2010/main" Requires="p14">
+  <mc:AlternateContent xmlns:mc="http://schemas.openxmlformats.org/markup-compatibility/2006" xmlns:p14="http://schemas.microsoft.com/office/powerpoint/2010/main">
+    <mc:Choice Requires="p14">
       <p:transition spd="slow" p14:dur="2000"/>
     </mc:Choice>
-    <mc:Fallback>
+    <mc:Fallback xmlns="">
       <p:transition spd="slow"/>
     </mc:Fallback>
   </mc:AlternateContent>
@@ -26628,14 +26447,7 @@
                 <a:latin typeface="Calibri" pitchFamily="34" charset="0"/>
                 <a:cs typeface="Calibri" pitchFamily="34" charset="0"/>
               </a:rPr>
-              <a:t>Applied to aerial vehicles, but no </a:t>
-            </a:r>
-            <a:r>
-              <a:rPr lang="en-US" dirty="0" smtClean="0">
-                <a:latin typeface="Calibri" pitchFamily="34" charset="0"/>
-                <a:cs typeface="Calibri" pitchFamily="34" charset="0"/>
-              </a:rPr>
-              <a:t>data aggregation</a:t>
+              <a:t>Applied to aerial vehicles, but no data aggregation</a:t>
             </a:r>
             <a:endParaRPr lang="en-US" dirty="0">
               <a:latin typeface="Calibri" pitchFamily="34" charset="0"/>
@@ -26727,10 +26539,6 @@
               </a:rPr>
               <a:t>consensus</a:t>
             </a:r>
-            <a:endParaRPr lang="en-GB" dirty="0" smtClean="0">
-              <a:latin typeface="Calibri" pitchFamily="34" charset="0"/>
-              <a:cs typeface="Calibri" pitchFamily="34" charset="0"/>
-            </a:endParaRPr>
           </a:p>
           <a:p>
             <a:pPr marL="977900" lvl="8" indent="-342900">
@@ -26910,38 +26718,24 @@
                 <a:latin typeface="Calibri" pitchFamily="34" charset="0"/>
                 <a:cs typeface="Calibri" pitchFamily="34" charset="0"/>
               </a:rPr>
-              <a:t>Features </a:t>
+              <a:t>Features sent to a base station, which performs</a:t>
+            </a:r>
+          </a:p>
+          <a:p>
+            <a:pPr lvl="1"/>
+            <a:r>
+              <a:rPr lang="en-US" dirty="0">
+                <a:latin typeface="Calibri" pitchFamily="34" charset="0"/>
+                <a:cs typeface="Calibri" pitchFamily="34" charset="0"/>
+              </a:rPr>
+              <a:t> </a:t>
             </a:r>
             <a:r>
               <a:rPr lang="en-US" dirty="0" smtClean="0">
                 <a:latin typeface="Calibri" pitchFamily="34" charset="0"/>
                 <a:cs typeface="Calibri" pitchFamily="34" charset="0"/>
               </a:rPr>
-              <a:t>sent to a base station, which performs</a:t>
-            </a:r>
-          </a:p>
-          <a:p>
-            <a:pPr lvl="1"/>
-            <a:r>
-              <a:rPr lang="en-US" dirty="0">
-                <a:latin typeface="Calibri" pitchFamily="34" charset="0"/>
-                <a:cs typeface="Calibri" pitchFamily="34" charset="0"/>
-              </a:rPr>
-              <a:t> </a:t>
-            </a:r>
-            <a:r>
-              <a:rPr lang="en-US" dirty="0" smtClean="0">
-                <a:latin typeface="Calibri" pitchFamily="34" charset="0"/>
-                <a:cs typeface="Calibri" pitchFamily="34" charset="0"/>
-              </a:rPr>
-              <a:t>      object </a:t>
-            </a:r>
-            <a:r>
-              <a:rPr lang="en-US" dirty="0" smtClean="0">
-                <a:latin typeface="Calibri" pitchFamily="34" charset="0"/>
-                <a:cs typeface="Calibri" pitchFamily="34" charset="0"/>
-              </a:rPr>
-              <a:t>detection </a:t>
+              <a:t>      object detection </a:t>
             </a:r>
             <a:r>
               <a:rPr lang="en-US" dirty="0" smtClean="0">
@@ -28634,14 +28428,7 @@
                 <a:latin typeface="Calibri" pitchFamily="34" charset="0"/>
                 <a:cs typeface="Calibri" pitchFamily="34" charset="0"/>
               </a:rPr>
-              <a:t>Single-board </a:t>
-            </a:r>
-            <a:r>
-              <a:rPr lang="en-US" sz="2000" dirty="0" smtClean="0">
-                <a:latin typeface="Calibri" pitchFamily="34" charset="0"/>
-                <a:cs typeface="Calibri" pitchFamily="34" charset="0"/>
-              </a:rPr>
-              <a:t>computers: </a:t>
+              <a:t>Single-board computers: </a:t>
             </a:r>
             <a:r>
               <a:rPr lang="en-US" sz="2000" dirty="0" err="1" smtClean="0">
@@ -28668,40 +28455,22 @@
                 <a:latin typeface="Calibri" pitchFamily="34" charset="0"/>
                 <a:cs typeface="Calibri" pitchFamily="34" charset="0"/>
               </a:rPr>
-              <a:t>Image </a:t>
+              <a:t>Image Acquisition: </a:t>
+            </a:r>
+            <a:r>
+              <a:rPr lang="en-US" sz="2000" dirty="0" err="1" smtClean="0">
+                <a:latin typeface="Calibri" pitchFamily="34" charset="0"/>
+                <a:cs typeface="Calibri" pitchFamily="34" charset="0"/>
+              </a:rPr>
+              <a:t>OpenMV</a:t>
             </a:r>
             <a:r>
               <a:rPr lang="en-US" sz="2000" dirty="0" smtClean="0">
                 <a:latin typeface="Calibri" pitchFamily="34" charset="0"/>
                 <a:cs typeface="Calibri" pitchFamily="34" charset="0"/>
               </a:rPr>
-              <a:t>Acquisition</a:t>
-            </a:r>
-            <a:r>
-              <a:rPr lang="en-US" sz="2000" dirty="0" smtClean="0">
-                <a:latin typeface="Calibri" pitchFamily="34" charset="0"/>
-                <a:cs typeface="Calibri" pitchFamily="34" charset="0"/>
-              </a:rPr>
-              <a:t>: </a:t>
-            </a:r>
-            <a:r>
-              <a:rPr lang="en-US" sz="2000" dirty="0" err="1" smtClean="0">
-                <a:latin typeface="Calibri" pitchFamily="34" charset="0"/>
-                <a:cs typeface="Calibri" pitchFamily="34" charset="0"/>
-              </a:rPr>
-              <a:t>OpenMV</a:t>
-            </a:r>
-            <a:r>
-              <a:rPr lang="en-US" sz="2000" dirty="0" smtClean="0">
-                <a:latin typeface="Calibri" pitchFamily="34" charset="0"/>
-                <a:cs typeface="Calibri" pitchFamily="34" charset="0"/>
-              </a:rPr>
               <a:t> M7</a:t>
             </a:r>
-            <a:endParaRPr lang="en-US" sz="2000" dirty="0" smtClean="0">
-              <a:latin typeface="Calibri" pitchFamily="34" charset="0"/>
-              <a:cs typeface="Calibri" pitchFamily="34" charset="0"/>
-            </a:endParaRPr>
           </a:p>
           <a:p>
             <a:pPr marL="800100" lvl="1" indent="-342900">
@@ -28713,35 +28482,21 @@
                 <a:latin typeface="Calibri" pitchFamily="34" charset="0"/>
                 <a:cs typeface="Calibri" pitchFamily="34" charset="0"/>
               </a:rPr>
-              <a:t>Connectivity</a:t>
+              <a:t>Connectivity: </a:t>
+            </a:r>
+            <a:r>
+              <a:rPr lang="en-US" sz="2000" dirty="0" err="1" smtClean="0">
+                <a:latin typeface="Calibri" pitchFamily="34" charset="0"/>
+                <a:cs typeface="Calibri" pitchFamily="34" charset="0"/>
+              </a:rPr>
+              <a:t>WiFi</a:t>
             </a:r>
             <a:r>
               <a:rPr lang="en-US" sz="2000" dirty="0" smtClean="0">
                 <a:latin typeface="Calibri" pitchFamily="34" charset="0"/>
                 <a:cs typeface="Calibri" pitchFamily="34" charset="0"/>
               </a:rPr>
-              <a:t>: </a:t>
-            </a:r>
-            <a:r>
-              <a:rPr lang="en-US" sz="2000" dirty="0" err="1" smtClean="0">
-                <a:latin typeface="Calibri" pitchFamily="34" charset="0"/>
-                <a:cs typeface="Calibri" pitchFamily="34" charset="0"/>
-              </a:rPr>
-              <a:t>WiFi</a:t>
-            </a:r>
-            <a:r>
-              <a:rPr lang="en-US" sz="2000" dirty="0" smtClean="0">
-                <a:latin typeface="Calibri" pitchFamily="34" charset="0"/>
-                <a:cs typeface="Calibri" pitchFamily="34" charset="0"/>
-              </a:rPr>
-              <a:t> Module </a:t>
-            </a:r>
-            <a:r>
-              <a:rPr lang="en-US" sz="2000" dirty="0" smtClean="0">
-                <a:latin typeface="Calibri" pitchFamily="34" charset="0"/>
-                <a:cs typeface="Calibri" pitchFamily="34" charset="0"/>
-              </a:rPr>
-              <a:t>5</a:t>
+              <a:t> Module 5</a:t>
             </a:r>
             <a:endParaRPr lang="en-US" sz="2000" dirty="0">
               <a:latin typeface="Calibri" pitchFamily="34" charset="0"/>
@@ -28785,14 +28540,7 @@
                 <a:latin typeface="Calibri" pitchFamily="34" charset="0"/>
                 <a:cs typeface="Calibri" pitchFamily="34" charset="0"/>
               </a:rPr>
-              <a:t>Connectivity </a:t>
-            </a:r>
-            <a:r>
-              <a:rPr lang="en-US" sz="2000" b="1" dirty="0" smtClean="0">
-                <a:latin typeface="Calibri" pitchFamily="34" charset="0"/>
-                <a:cs typeface="Calibri" pitchFamily="34" charset="0"/>
-              </a:rPr>
-              <a:t>tests</a:t>
+              <a:t>Connectivity tests</a:t>
             </a:r>
           </a:p>
           <a:p>
@@ -28842,14 +28590,7 @@
                 <a:latin typeface="Calibri" pitchFamily="34" charset="0"/>
                 <a:cs typeface="Calibri" pitchFamily="34" charset="0"/>
               </a:rPr>
-              <a:t>Network </a:t>
-            </a:r>
-            <a:r>
-              <a:rPr lang="en-US" sz="2100" dirty="0" smtClean="0">
-                <a:latin typeface="Calibri" pitchFamily="34" charset="0"/>
-                <a:cs typeface="Calibri" pitchFamily="34" charset="0"/>
-              </a:rPr>
-              <a:t>stability</a:t>
+              <a:t>Network stability</a:t>
             </a:r>
             <a:endParaRPr lang="it-IT" sz="2000" dirty="0">
               <a:latin typeface="Calibri" pitchFamily="34" charset="0"/>
@@ -28879,19 +28620,8 @@
                 <a:latin typeface="Calibri" pitchFamily="34" charset="0"/>
                 <a:cs typeface="Calibri" pitchFamily="34" charset="0"/>
               </a:rPr>
-              <a:t>Setup of a </a:t>
-            </a:r>
-            <a:r>
-              <a:rPr lang="en-US" sz="2000" dirty="0" smtClean="0">
-                <a:latin typeface="Calibri" pitchFamily="34" charset="0"/>
-                <a:cs typeface="Calibri" pitchFamily="34" charset="0"/>
-              </a:rPr>
-              <a:t>deep learning framework</a:t>
-            </a:r>
-            <a:endParaRPr lang="en-US" sz="2000" dirty="0" smtClean="0">
-              <a:latin typeface="Calibri" pitchFamily="34" charset="0"/>
-              <a:cs typeface="Calibri" pitchFamily="34" charset="0"/>
-            </a:endParaRPr>
+              <a:t>Setup of a deep learning framework</a:t>
+            </a:r>
           </a:p>
           <a:p>
             <a:pPr marL="800100" lvl="1" indent="-342900">
@@ -28903,19 +28633,8 @@
                 <a:latin typeface="Calibri" pitchFamily="34" charset="0"/>
                 <a:cs typeface="Calibri" pitchFamily="34" charset="0"/>
               </a:rPr>
-              <a:t>MSCOCO pre-trained neural </a:t>
-            </a:r>
-            <a:r>
-              <a:rPr lang="en-US" sz="2000" dirty="0" smtClean="0">
-                <a:latin typeface="Calibri" pitchFamily="34" charset="0"/>
-                <a:cs typeface="Calibri" pitchFamily="34" charset="0"/>
-              </a:rPr>
-              <a:t>network</a:t>
-            </a:r>
-            <a:endParaRPr lang="en-US" sz="2000" dirty="0" smtClean="0">
-              <a:latin typeface="Calibri" pitchFamily="34" charset="0"/>
-              <a:cs typeface="Calibri" pitchFamily="34" charset="0"/>
-            </a:endParaRPr>
+              <a:t>MSCOCO pre-trained neural network</a:t>
+            </a:r>
           </a:p>
         </p:txBody>
       </p:sp>
@@ -31199,11 +30918,11 @@
   <p:clrMapOvr>
     <a:masterClrMapping/>
   </p:clrMapOvr>
-  <mc:AlternateContent xmlns:mc="http://schemas.openxmlformats.org/markup-compatibility/2006">
-    <mc:Choice xmlns:p14="http://schemas.microsoft.com/office/powerpoint/2010/main" Requires="p14">
+  <mc:AlternateContent xmlns:mc="http://schemas.openxmlformats.org/markup-compatibility/2006" xmlns:p14="http://schemas.microsoft.com/office/powerpoint/2010/main">
+    <mc:Choice Requires="p14">
       <p:transition spd="slow" p14:dur="2000"/>
     </mc:Choice>
-    <mc:Fallback>
+    <mc:Fallback xmlns="">
       <p:transition spd="slow"/>
     </mc:Fallback>
   </mc:AlternateContent>
@@ -31940,11 +31659,11 @@
   <p:clrMapOvr>
     <a:masterClrMapping/>
   </p:clrMapOvr>
-  <mc:AlternateContent xmlns:mc="http://schemas.openxmlformats.org/markup-compatibility/2006">
-    <mc:Choice xmlns:p14="http://schemas.microsoft.com/office/powerpoint/2010/main" Requires="p14">
+  <mc:AlternateContent xmlns:mc="http://schemas.openxmlformats.org/markup-compatibility/2006" xmlns:p14="http://schemas.microsoft.com/office/powerpoint/2010/main">
+    <mc:Choice Requires="p14">
       <p:transition spd="slow" p14:dur="2000"/>
     </mc:Choice>
-    <mc:Fallback>
+    <mc:Fallback xmlns="">
       <p:transition spd="slow"/>
     </mc:Fallback>
   </mc:AlternateContent>
